--- a/week_1/lab.pptx
+++ b/week_1/lab.pptx
@@ -4093,6 +4093,119 @@
           </a:p>
         </p:txBody>
       </p:sp>
+      <p:sp>
+        <p:nvSpPr>
+          <p:cNvPr id="3" name="TextBox 2"/>
+          <p:cNvSpPr txBox="1"/>
+          <p:nvPr/>
+        </p:nvSpPr>
+        <p:spPr>
+          <a:xfrm>
+            <a:off x="4634267" y="3568892"/>
+            <a:ext cx="530915" cy="369332"/>
+          </a:xfrm>
+          <a:prstGeom prst="rect">
+            <a:avLst/>
+          </a:prstGeom>
+          <a:noFill/>
+        </p:spPr>
+        <p:txBody>
+          <a:bodyPr wrap="none" rtlCol="0">
+            <a:spAutoFit/>
+          </a:bodyPr>
+          <a:lstStyle/>
+          <a:p>
+            <a:r>
+              <a:rPr lang="en-US" dirty="0" smtClean="0"/>
+              <a:t>***</a:t>
+            </a:r>
+            <a:endParaRPr lang="en-US" dirty="0"/>
+          </a:p>
+        </p:txBody>
+      </p:sp>
+      <p:sp>
+        <p:nvSpPr>
+          <p:cNvPr id="32" name="TextBox 31"/>
+          <p:cNvSpPr txBox="1"/>
+          <p:nvPr/>
+        </p:nvSpPr>
+        <p:spPr>
+          <a:xfrm>
+            <a:off x="1133162" y="3545440"/>
+            <a:ext cx="530915" cy="369332"/>
+          </a:xfrm>
+          <a:prstGeom prst="rect">
+            <a:avLst/>
+          </a:prstGeom>
+          <a:noFill/>
+        </p:spPr>
+        <p:txBody>
+          <a:bodyPr wrap="none" rtlCol="0">
+            <a:spAutoFit/>
+          </a:bodyPr>
+          <a:lstStyle/>
+          <a:p>
+            <a:r>
+              <a:rPr lang="en-US" dirty="0" smtClean="0"/>
+              <a:t>***</a:t>
+            </a:r>
+            <a:endParaRPr lang="en-US" dirty="0"/>
+          </a:p>
+        </p:txBody>
+      </p:sp>
+      <p:pic>
+        <p:nvPicPr>
+          <p:cNvPr id="4" name="Picture 3"/>
+          <p:cNvPicPr>
+            <a:picLocks noChangeAspect="1"/>
+          </p:cNvPicPr>
+          <p:nvPr/>
+        </p:nvPicPr>
+        <p:blipFill rotWithShape="1">
+          <a:blip r:embed="rId10"/>
+          <a:srcRect l="38218" t="36217" r="37613" b="33199"/>
+          <a:stretch/>
+        </p:blipFill>
+        <p:spPr>
+          <a:xfrm>
+            <a:off x="6297642" y="946632"/>
+            <a:ext cx="738909" cy="701963"/>
+          </a:xfrm>
+          <a:prstGeom prst="rect">
+            <a:avLst/>
+          </a:prstGeom>
+        </p:spPr>
+      </p:pic>
+      <p:sp>
+        <p:nvSpPr>
+          <p:cNvPr id="5" name="TextBox 4"/>
+          <p:cNvSpPr txBox="1"/>
+          <p:nvPr/>
+        </p:nvSpPr>
+        <p:spPr>
+          <a:xfrm>
+            <a:off x="6094434" y="547576"/>
+            <a:ext cx="1230978" cy="369332"/>
+          </a:xfrm>
+          <a:prstGeom prst="rect">
+            <a:avLst/>
+          </a:prstGeom>
+          <a:noFill/>
+        </p:spPr>
+        <p:txBody>
+          <a:bodyPr wrap="none" rtlCol="0">
+            <a:spAutoFit/>
+          </a:bodyPr>
+          <a:lstStyle/>
+          <a:p>
+            <a:r>
+              <a:rPr lang="en-US" dirty="0" smtClean="0"/>
+              <a:t>Black berry</a:t>
+            </a:r>
+            <a:endParaRPr lang="en-US" dirty="0"/>
+          </a:p>
+        </p:txBody>
+      </p:sp>
     </p:spTree>
     <p:extLst>
       <p:ext uri="{BB962C8B-B14F-4D97-AF65-F5344CB8AC3E}">
